--- a/Introduction on CQL.pptx
+++ b/Introduction on CQL.pptx
@@ -18,16 +18,17 @@
     <p:sldId id="263" r:id="rId12"/>
     <p:sldId id="264" r:id="rId13"/>
     <p:sldId id="265" r:id="rId14"/>
+    <p:sldId id="266" r:id="rId15"/>
   </p:sldIdLst>
   <p:sldSz cy="6858000" cx="9144000"/>
   <p:notesSz cx="6858000" cy="9144000"/>
   <p:embeddedFontLst>
     <p:embeddedFont>
       <p:font typeface="Overlock"/>
-      <p:regular r:id="rId15"/>
-      <p:bold r:id="rId16"/>
-      <p:italic r:id="rId17"/>
-      <p:boldItalic r:id="rId18"/>
+      <p:regular r:id="rId16"/>
+      <p:bold r:id="rId17"/>
+      <p:italic r:id="rId18"/>
+      <p:boldItalic r:id="rId19"/>
     </p:embeddedFont>
   </p:embeddedFontLst>
   <p:defaultTextStyle>
@@ -796,7 +797,7 @@
   <p:cSld>
     <p:spTree>
       <p:nvGrpSpPr>
-        <p:cNvPr id="209" name="Shape 209"/>
+        <p:cNvPr id="206" name="Shape 206"/>
         <p:cNvGrpSpPr/>
         <p:nvPr/>
       </p:nvGrpSpPr>
@@ -810,7 +811,7 @@
       </p:grpSpPr>
       <p:sp>
         <p:nvSpPr>
-          <p:cNvPr id="210" name="Google Shape;210;g14ce3be1d23_0_231:notes"/>
+          <p:cNvPr id="207" name="Google Shape;207;g14ce3be1d23_0_164:notes"/>
           <p:cNvSpPr/>
           <p:nvPr>
             <p:ph idx="2" type="sldImg"/>
@@ -845,7 +846,106 @@
       </p:sp>
       <p:sp>
         <p:nvSpPr>
-          <p:cNvPr id="211" name="Google Shape;211;g14ce3be1d23_0_231:notes"/>
+          <p:cNvPr id="208" name="Google Shape;208;g14ce3be1d23_0_164:notes"/>
+          <p:cNvSpPr txBox="1"/>
+          <p:nvPr>
+            <p:ph idx="1" type="body"/>
+          </p:nvPr>
+        </p:nvSpPr>
+        <p:spPr>
+          <a:xfrm>
+            <a:off x="685800" y="4343400"/>
+            <a:ext cx="5486400" cy="4114800"/>
+          </a:xfrm>
+          <a:prstGeom prst="rect">
+            <a:avLst/>
+          </a:prstGeom>
+        </p:spPr>
+        <p:txBody>
+          <a:bodyPr anchorCtr="0" anchor="t" bIns="91425" lIns="91425" spcFirstLastPara="1" rIns="91425" wrap="square" tIns="91425">
+            <a:noAutofit/>
+          </a:bodyPr>
+          <a:lstStyle/>
+          <a:p>
+            <a:pPr indent="0" lvl="0" marL="0" rtl="0" algn="l">
+              <a:spcBef>
+                <a:spcPts val="0"/>
+              </a:spcBef>
+              <a:spcAft>
+                <a:spcPts val="0"/>
+              </a:spcAft>
+              <a:buNone/>
+            </a:pPr>
+            <a:r>
+              <a:t/>
+            </a:r>
+            <a:endParaRPr/>
+          </a:p>
+        </p:txBody>
+      </p:sp>
+    </p:spTree>
+  </p:cSld>
+  <p:clrMapOvr>
+    <a:masterClrMapping/>
+  </p:clrMapOvr>
+</p:notes>
+</file>
+
+<file path=ppt/notesSlides/notesSlide11.xml><?xml version="1.0" encoding="utf-8"?>
+<p:notes xmlns:a="http://schemas.openxmlformats.org/drawingml/2006/main" xmlns:r="http://schemas.openxmlformats.org/officeDocument/2006/relationships" xmlns:mc="http://schemas.openxmlformats.org/markup-compatibility/2006" xmlns:mv="urn:schemas-microsoft-com:mac:vml" xmlns:p="http://schemas.openxmlformats.org/presentationml/2006/main" xmlns:c="http://schemas.openxmlformats.org/drawingml/2006/chart" xmlns:dgm="http://schemas.openxmlformats.org/drawingml/2006/diagram" xmlns:o="urn:schemas-microsoft-com:office:office" xmlns:v="urn:schemas-microsoft-com:vml" xmlns:pvml="urn:schemas-microsoft-com:office:powerpoint" xmlns:com="http://schemas.openxmlformats.org/drawingml/2006/compatibility" xmlns:p14="http://schemas.microsoft.com/office/powerpoint/2010/main" xmlns:p15="http://schemas.microsoft.com/office/powerpoint/2012/main" xmlns:ahyp="http://schemas.microsoft.com/office/drawing/2018/hyperlinkcolor" showMasterPhAnim="0" showMasterSp="0">
+  <p:cSld>
+    <p:spTree>
+      <p:nvGrpSpPr>
+        <p:cNvPr id="213" name="Shape 213"/>
+        <p:cNvGrpSpPr/>
+        <p:nvPr/>
+      </p:nvGrpSpPr>
+      <p:grpSpPr>
+        <a:xfrm>
+          <a:off x="0" y="0"/>
+          <a:ext cx="0" cy="0"/>
+          <a:chOff x="0" y="0"/>
+          <a:chExt cx="0" cy="0"/>
+        </a:xfrm>
+      </p:grpSpPr>
+      <p:sp>
+        <p:nvSpPr>
+          <p:cNvPr id="214" name="Google Shape;214;g14ce3be1d23_0_231:notes"/>
+          <p:cNvSpPr/>
+          <p:nvPr>
+            <p:ph idx="2" type="sldImg"/>
+          </p:nvPr>
+        </p:nvSpPr>
+        <p:spPr>
+          <a:xfrm>
+            <a:off x="1143225" y="685800"/>
+            <a:ext cx="4572300" cy="3429000"/>
+          </a:xfrm>
+          <a:custGeom>
+            <a:rect b="b" l="l" r="r" t="t"/>
+            <a:pathLst>
+              <a:path extrusionOk="0" h="120000" w="120000">
+                <a:moveTo>
+                  <a:pt x="0" y="0"/>
+                </a:moveTo>
+                <a:lnTo>
+                  <a:pt x="120000" y="0"/>
+                </a:lnTo>
+                <a:lnTo>
+                  <a:pt x="120000" y="120000"/>
+                </a:lnTo>
+                <a:lnTo>
+                  <a:pt x="0" y="120000"/>
+                </a:lnTo>
+                <a:close/>
+              </a:path>
+            </a:pathLst>
+          </a:custGeom>
+        </p:spPr>
+      </p:sp>
+      <p:sp>
+        <p:nvSpPr>
+          <p:cNvPr id="215" name="Google Shape;215;g14ce3be1d23_0_231:notes"/>
           <p:cNvSpPr txBox="1"/>
           <p:nvPr>
             <p:ph idx="1" type="body"/>
@@ -1192,7 +1292,7 @@
   <p:cSld>
     <p:spTree>
       <p:nvGrpSpPr>
-        <p:cNvPr id="173" name="Shape 173"/>
+        <p:cNvPr id="172" name="Shape 172"/>
         <p:cNvGrpSpPr/>
         <p:nvPr/>
       </p:nvGrpSpPr>
@@ -1206,7 +1306,7 @@
       </p:grpSpPr>
       <p:sp>
         <p:nvSpPr>
-          <p:cNvPr id="174" name="Google Shape;174;g14ce3be1d23_0_241:notes"/>
+          <p:cNvPr id="173" name="Google Shape;173;g1769f315959_0_6:notes"/>
           <p:cNvSpPr/>
           <p:nvPr>
             <p:ph idx="2" type="sldImg"/>
@@ -1241,7 +1341,7 @@
       </p:sp>
       <p:sp>
         <p:nvSpPr>
-          <p:cNvPr id="175" name="Google Shape;175;g14ce3be1d23_0_241:notes"/>
+          <p:cNvPr id="174" name="Google Shape;174;g1769f315959_0_6:notes"/>
           <p:cNvSpPr txBox="1"/>
           <p:nvPr>
             <p:ph idx="1" type="body"/>
@@ -1291,7 +1391,7 @@
   <p:cSld>
     <p:spTree>
       <p:nvGrpSpPr>
-        <p:cNvPr id="181" name="Shape 181"/>
+        <p:cNvPr id="177" name="Shape 177"/>
         <p:cNvGrpSpPr/>
         <p:nvPr/>
       </p:nvGrpSpPr>
@@ -1305,7 +1405,7 @@
       </p:grpSpPr>
       <p:sp>
         <p:nvSpPr>
-          <p:cNvPr id="182" name="Google Shape;182;g14ce3be1d23_0_223:notes"/>
+          <p:cNvPr id="178" name="Google Shape;178;g14ce3be1d23_0_241:notes"/>
           <p:cNvSpPr/>
           <p:nvPr>
             <p:ph idx="2" type="sldImg"/>
@@ -1340,7 +1440,7 @@
       </p:sp>
       <p:sp>
         <p:nvSpPr>
-          <p:cNvPr id="183" name="Google Shape;183;g14ce3be1d23_0_223:notes"/>
+          <p:cNvPr id="179" name="Google Shape;179;g14ce3be1d23_0_241:notes"/>
           <p:cNvSpPr txBox="1"/>
           <p:nvPr>
             <p:ph idx="1" type="body"/>
@@ -1390,7 +1490,7 @@
   <p:cSld>
     <p:spTree>
       <p:nvGrpSpPr>
-        <p:cNvPr id="187" name="Shape 187"/>
+        <p:cNvPr id="185" name="Shape 185"/>
         <p:cNvGrpSpPr/>
         <p:nvPr/>
       </p:nvGrpSpPr>
@@ -1404,7 +1504,7 @@
       </p:grpSpPr>
       <p:sp>
         <p:nvSpPr>
-          <p:cNvPr id="188" name="Google Shape;188;g14ce3be1d23_0_249:notes"/>
+          <p:cNvPr id="186" name="Google Shape;186;g14ce3be1d23_0_223:notes"/>
           <p:cNvSpPr/>
           <p:nvPr>
             <p:ph idx="2" type="sldImg"/>
@@ -1439,7 +1539,7 @@
       </p:sp>
       <p:sp>
         <p:nvSpPr>
-          <p:cNvPr id="189" name="Google Shape;189;g14ce3be1d23_0_249:notes"/>
+          <p:cNvPr id="187" name="Google Shape;187;g14ce3be1d23_0_223:notes"/>
           <p:cNvSpPr txBox="1"/>
           <p:nvPr>
             <p:ph idx="1" type="body"/>
@@ -1489,7 +1589,7 @@
   <p:cSld>
     <p:spTree>
       <p:nvGrpSpPr>
-        <p:cNvPr id="195" name="Shape 195"/>
+        <p:cNvPr id="191" name="Shape 191"/>
         <p:cNvGrpSpPr/>
         <p:nvPr/>
       </p:nvGrpSpPr>
@@ -1503,7 +1603,7 @@
       </p:grpSpPr>
       <p:sp>
         <p:nvSpPr>
-          <p:cNvPr id="196" name="Google Shape;196;g14ce3be1d23_0_18:notes"/>
+          <p:cNvPr id="192" name="Google Shape;192;g14ce3be1d23_0_249:notes"/>
           <p:cNvSpPr/>
           <p:nvPr>
             <p:ph idx="2" type="sldImg"/>
@@ -1538,7 +1638,7 @@
       </p:sp>
       <p:sp>
         <p:nvSpPr>
-          <p:cNvPr id="197" name="Google Shape;197;g14ce3be1d23_0_18:notes"/>
+          <p:cNvPr id="193" name="Google Shape;193;g14ce3be1d23_0_249:notes"/>
           <p:cNvSpPr txBox="1"/>
           <p:nvPr>
             <p:ph idx="1" type="body"/>
@@ -1588,7 +1688,7 @@
   <p:cSld>
     <p:spTree>
       <p:nvGrpSpPr>
-        <p:cNvPr id="202" name="Shape 202"/>
+        <p:cNvPr id="199" name="Shape 199"/>
         <p:cNvGrpSpPr/>
         <p:nvPr/>
       </p:nvGrpSpPr>
@@ -1602,7 +1702,7 @@
       </p:grpSpPr>
       <p:sp>
         <p:nvSpPr>
-          <p:cNvPr id="203" name="Google Shape;203;g14ce3be1d23_0_164:notes"/>
+          <p:cNvPr id="200" name="Google Shape;200;g14ce3be1d23_0_18:notes"/>
           <p:cNvSpPr/>
           <p:nvPr>
             <p:ph idx="2" type="sldImg"/>
@@ -1637,7 +1737,7 @@
       </p:sp>
       <p:sp>
         <p:nvSpPr>
-          <p:cNvPr id="204" name="Google Shape;204;g14ce3be1d23_0_164:notes"/>
+          <p:cNvPr id="201" name="Google Shape;201;g14ce3be1d23_0_18:notes"/>
           <p:cNvSpPr txBox="1"/>
           <p:nvPr>
             <p:ph idx="1" type="body"/>
@@ -18618,7 +18718,7 @@
   <p:cSld>
     <p:spTree>
       <p:nvGrpSpPr>
-        <p:cNvPr id="212" name="Shape 212"/>
+        <p:cNvPr id="209" name="Shape 209"/>
         <p:cNvGrpSpPr/>
         <p:nvPr/>
       </p:nvGrpSpPr>
@@ -18632,7 +18732,7 @@
       </p:grpSpPr>
       <p:sp>
         <p:nvSpPr>
-          <p:cNvPr id="213" name="Google Shape;213;p26"/>
+          <p:cNvPr id="210" name="Google Shape;210;p26"/>
           <p:cNvSpPr txBox="1"/>
           <p:nvPr>
             <p:ph type="title"/>
@@ -18664,6 +18764,171 @@
             </a:pPr>
             <a:r>
               <a:rPr lang="en-US"/>
+              <a:t>Upload CQL Library to Hapi FHIR</a:t>
+            </a:r>
+            <a:endParaRPr/>
+          </a:p>
+        </p:txBody>
+      </p:sp>
+      <p:sp>
+        <p:nvSpPr>
+          <p:cNvPr id="211" name="Google Shape;211;p26"/>
+          <p:cNvSpPr txBox="1"/>
+          <p:nvPr>
+            <p:ph idx="1" type="body"/>
+          </p:nvPr>
+        </p:nvSpPr>
+        <p:spPr>
+          <a:xfrm>
+            <a:off x="368700" y="1708350"/>
+            <a:ext cx="7856700" cy="724200"/>
+          </a:xfrm>
+          <a:prstGeom prst="rect">
+            <a:avLst/>
+          </a:prstGeom>
+        </p:spPr>
+        <p:txBody>
+          <a:bodyPr anchorCtr="0" anchor="t" bIns="91425" lIns="91425" spcFirstLastPara="1" rIns="91425" wrap="square" tIns="91425">
+            <a:noAutofit/>
+          </a:bodyPr>
+          <a:lstStyle/>
+          <a:p>
+            <a:pPr indent="-355600" lvl="0" marL="457200" rtl="0" algn="l">
+              <a:spcBef>
+                <a:spcPts val="1000"/>
+              </a:spcBef>
+              <a:spcAft>
+                <a:spcPts val="0"/>
+              </a:spcAft>
+              <a:buSzPts val="2000"/>
+              <a:buAutoNum type="arabicPeriod"/>
+            </a:pPr>
+            <a:r>
+              <a:rPr lang="en-US" sz="2000"/>
+              <a:t>Copy and paste your FHIR Library Resource containing your encoded cql file into the Contents field</a:t>
+            </a:r>
+            <a:endParaRPr sz="2000"/>
+          </a:p>
+          <a:p>
+            <a:pPr indent="-355600" lvl="0" marL="457200" rtl="0" algn="l">
+              <a:spcBef>
+                <a:spcPts val="0"/>
+              </a:spcBef>
+              <a:spcAft>
+                <a:spcPts val="0"/>
+              </a:spcAft>
+              <a:buSzPts val="2000"/>
+              <a:buAutoNum type="arabicPeriod"/>
+            </a:pPr>
+            <a:r>
+              <a:rPr lang="en-US" sz="2000"/>
+              <a:t>Click on Create</a:t>
+            </a:r>
+            <a:endParaRPr sz="2000"/>
+          </a:p>
+          <a:p>
+            <a:pPr indent="0" lvl="0" marL="0" rtl="0" algn="l">
+              <a:spcBef>
+                <a:spcPts val="1000"/>
+              </a:spcBef>
+              <a:spcAft>
+                <a:spcPts val="0"/>
+              </a:spcAft>
+              <a:buNone/>
+            </a:pPr>
+            <a:r>
+              <a:t/>
+            </a:r>
+            <a:endParaRPr sz="2000"/>
+          </a:p>
+        </p:txBody>
+      </p:sp>
+      <p:pic>
+        <p:nvPicPr>
+          <p:cNvPr descr="Graphical user interface, application&#10;&#10;Description automatically generated" id="212" name="Google Shape;212;p26"/>
+          <p:cNvPicPr preferRelativeResize="0"/>
+          <p:nvPr/>
+        </p:nvPicPr>
+        <p:blipFill rotWithShape="1">
+          <a:blip r:embed="rId3">
+            <a:alphaModFix/>
+          </a:blip>
+          <a:srcRect b="7053" l="36517" r="13785" t="38272"/>
+          <a:stretch/>
+        </p:blipFill>
+        <p:spPr>
+          <a:xfrm>
+            <a:off x="1837975" y="2801250"/>
+            <a:ext cx="5897675" cy="3649649"/>
+          </a:xfrm>
+          <a:prstGeom prst="rect">
+            <a:avLst/>
+          </a:prstGeom>
+          <a:noFill/>
+          <a:ln>
+            <a:noFill/>
+          </a:ln>
+        </p:spPr>
+      </p:pic>
+    </p:spTree>
+  </p:cSld>
+  <p:clrMapOvr>
+    <a:masterClrMapping/>
+  </p:clrMapOvr>
+</p:sld>
+</file>
+
+<file path=ppt/slides/slide11.xml><?xml version="1.0" encoding="utf-8"?>
+<p:sld xmlns:a="http://schemas.openxmlformats.org/drawingml/2006/main" xmlns:r="http://schemas.openxmlformats.org/officeDocument/2006/relationships" xmlns:mc="http://schemas.openxmlformats.org/markup-compatibility/2006" xmlns:mv="urn:schemas-microsoft-com:mac:vml" xmlns:p="http://schemas.openxmlformats.org/presentationml/2006/main" xmlns:c="http://schemas.openxmlformats.org/drawingml/2006/chart" xmlns:dgm="http://schemas.openxmlformats.org/drawingml/2006/diagram" xmlns:o="urn:schemas-microsoft-com:office:office" xmlns:v="urn:schemas-microsoft-com:vml" xmlns:pvml="urn:schemas-microsoft-com:office:powerpoint" xmlns:com="http://schemas.openxmlformats.org/drawingml/2006/compatibility" xmlns:p14="http://schemas.microsoft.com/office/powerpoint/2010/main" xmlns:p15="http://schemas.microsoft.com/office/powerpoint/2012/main" xmlns:ahyp="http://schemas.microsoft.com/office/drawing/2018/hyperlinkcolor">
+  <p:cSld>
+    <p:spTree>
+      <p:nvGrpSpPr>
+        <p:cNvPr id="216" name="Shape 216"/>
+        <p:cNvGrpSpPr/>
+        <p:nvPr/>
+      </p:nvGrpSpPr>
+      <p:grpSpPr>
+        <a:xfrm>
+          <a:off x="0" y="0"/>
+          <a:ext cx="0" cy="0"/>
+          <a:chOff x="0" y="0"/>
+          <a:chExt cx="0" cy="0"/>
+        </a:xfrm>
+      </p:grpSpPr>
+      <p:sp>
+        <p:nvSpPr>
+          <p:cNvPr id="217" name="Google Shape;217;p27"/>
+          <p:cNvSpPr txBox="1"/>
+          <p:nvPr>
+            <p:ph type="title"/>
+          </p:nvPr>
+        </p:nvSpPr>
+        <p:spPr>
+          <a:xfrm>
+            <a:off x="362904" y="560367"/>
+            <a:ext cx="8447700" cy="1136700"/>
+          </a:xfrm>
+          <a:prstGeom prst="rect">
+            <a:avLst/>
+          </a:prstGeom>
+        </p:spPr>
+        <p:txBody>
+          <a:bodyPr anchorCtr="0" anchor="t" bIns="91425" lIns="91425" spcFirstLastPara="1" rIns="91425" wrap="square" tIns="91425">
+            <a:noAutofit/>
+          </a:bodyPr>
+          <a:lstStyle/>
+          <a:p>
+            <a:pPr indent="0" lvl="0" marL="0" rtl="0" algn="l">
+              <a:spcBef>
+                <a:spcPts val="0"/>
+              </a:spcBef>
+              <a:spcAft>
+                <a:spcPts val="0"/>
+              </a:spcAft>
+              <a:buNone/>
+            </a:pPr>
+            <a:r>
+              <a:rPr lang="en-US"/>
               <a:t>CQL Resources</a:t>
             </a:r>
             <a:endParaRPr/>
@@ -18672,7 +18937,7 @@
       </p:sp>
       <p:sp>
         <p:nvSpPr>
-          <p:cNvPr id="214" name="Google Shape;214;p26"/>
+          <p:cNvPr id="218" name="Google Shape;218;p27"/>
           <p:cNvSpPr txBox="1"/>
           <p:nvPr>
             <p:ph idx="1" type="body"/>
@@ -19242,8 +19507,70 @@
               <a:buNone/>
             </a:pPr>
             <a:r>
+              <a:t/>
+            </a:r>
+            <a:endParaRPr/>
+          </a:p>
+          <a:p>
+            <a:pPr indent="0" lvl="0" marL="0" rtl="0" algn="l">
+              <a:spcBef>
+                <a:spcPts val="1000"/>
+              </a:spcBef>
+              <a:spcAft>
+                <a:spcPts val="0"/>
+              </a:spcAft>
+              <a:buNone/>
+            </a:pPr>
+            <a:r>
               <a:rPr lang="en-US"/>
-              <a:t>CQL is declarative.</a:t>
+              <a:t>A CQL Library may be broken down into two parts:</a:t>
+            </a:r>
+            <a:endParaRPr/>
+          </a:p>
+          <a:p>
+            <a:pPr indent="0" lvl="0" marL="0" rtl="0" algn="l">
+              <a:spcBef>
+                <a:spcPts val="1000"/>
+              </a:spcBef>
+              <a:spcAft>
+                <a:spcPts val="0"/>
+              </a:spcAft>
+              <a:buNone/>
+            </a:pPr>
+            <a:r>
+              <a:rPr lang="en-US"/>
+              <a:t>	Declarations</a:t>
+            </a:r>
+            <a:endParaRPr/>
+          </a:p>
+          <a:p>
+            <a:pPr indent="0" lvl="0" marL="0" rtl="0" algn="l">
+              <a:spcBef>
+                <a:spcPts val="1000"/>
+              </a:spcBef>
+              <a:spcAft>
+                <a:spcPts val="0"/>
+              </a:spcAft>
+              <a:buNone/>
+            </a:pPr>
+            <a:r>
+              <a:rPr lang="en-US"/>
+              <a:t>	Statements</a:t>
+            </a:r>
+            <a:endParaRPr/>
+          </a:p>
+          <a:p>
+            <a:pPr indent="0" lvl="0" marL="0" rtl="0" algn="l">
+              <a:spcBef>
+                <a:spcPts val="1000"/>
+              </a:spcBef>
+              <a:spcAft>
+                <a:spcPts val="0"/>
+              </a:spcAft>
+              <a:buNone/>
+            </a:pPr>
+            <a:r>
+              <a:t/>
             </a:r>
             <a:endParaRPr/>
           </a:p>
@@ -19300,7 +19627,7 @@
         <p:spPr>
           <a:xfrm>
             <a:off x="362904" y="560367"/>
-            <a:ext cx="8447700" cy="1136700"/>
+            <a:ext cx="8358300" cy="1136700"/>
           </a:xfrm>
           <a:prstGeom prst="rect">
             <a:avLst/>
@@ -19334,13 +19661,13 @@
           <p:cNvPr id="171" name="Google Shape;171;p20"/>
           <p:cNvSpPr txBox="1"/>
           <p:nvPr>
-            <p:ph idx="2" type="body"/>
+            <p:ph idx="1" type="body"/>
           </p:nvPr>
         </p:nvSpPr>
         <p:spPr>
           <a:xfrm>
-            <a:off x="5300576" y="1708350"/>
-            <a:ext cx="3504300" cy="4425600"/>
+            <a:off x="368711" y="1708353"/>
+            <a:ext cx="8373600" cy="4425600"/>
           </a:xfrm>
           <a:prstGeom prst="rect">
             <a:avLst/>
@@ -19363,10 +19690,10 @@
               <a:buChar char="•"/>
             </a:pPr>
             <a:r>
-              <a:rPr lang="en-US"/>
+              <a:rPr lang="en-US" sz="2800"/>
               <a:t>Library</a:t>
             </a:r>
-            <a:endParaRPr/>
+            <a:endParaRPr sz="2800"/>
           </a:p>
           <a:p>
             <a:pPr indent="-406400" lvl="0" marL="457200" rtl="0" algn="l">
@@ -19380,10 +19707,10 @@
               <a:buChar char="•"/>
             </a:pPr>
             <a:r>
-              <a:rPr lang="en-US"/>
+              <a:rPr lang="en-US" sz="2800"/>
               <a:t>Data Model</a:t>
             </a:r>
-            <a:endParaRPr/>
+            <a:endParaRPr sz="2800"/>
           </a:p>
           <a:p>
             <a:pPr indent="-406400" lvl="0" marL="457200" rtl="0" algn="l">
@@ -19397,10 +19724,10 @@
               <a:buChar char="•"/>
             </a:pPr>
             <a:r>
-              <a:rPr lang="en-US"/>
+              <a:rPr lang="en-US" sz="2800"/>
               <a:t>Dependencies</a:t>
             </a:r>
-            <a:endParaRPr/>
+            <a:endParaRPr sz="2800"/>
           </a:p>
           <a:p>
             <a:pPr indent="-406400" lvl="0" marL="457200" rtl="0" algn="l">
@@ -19414,10 +19741,10 @@
               <a:buChar char="•"/>
             </a:pPr>
             <a:r>
-              <a:rPr lang="en-US"/>
+              <a:rPr lang="en-US" sz="2800"/>
               <a:t>Terminologies</a:t>
             </a:r>
-            <a:endParaRPr/>
+            <a:endParaRPr sz="2800"/>
           </a:p>
           <a:p>
             <a:pPr indent="-406400" lvl="0" marL="457200" rtl="0" algn="l">
@@ -19431,10 +19758,10 @@
               <a:buChar char="•"/>
             </a:pPr>
             <a:r>
-              <a:rPr lang="en-US"/>
+              <a:rPr lang="en-US" sz="2800"/>
               <a:t>Context</a:t>
             </a:r>
-            <a:endParaRPr/>
+            <a:endParaRPr sz="2800"/>
           </a:p>
           <a:p>
             <a:pPr indent="-406400" lvl="0" marL="457200" rtl="0" algn="l">
@@ -19448,16 +19775,56 @@
               <a:buChar char="•"/>
             </a:pPr>
             <a:r>
-              <a:rPr lang="en-US"/>
+              <a:rPr lang="en-US" sz="2800"/>
               <a:t>Definitions</a:t>
+            </a:r>
+            <a:endParaRPr sz="2800"/>
+          </a:p>
+          <a:p>
+            <a:pPr indent="0" lvl="0" marL="0" rtl="0" algn="l">
+              <a:spcBef>
+                <a:spcPts val="1000"/>
+              </a:spcBef>
+              <a:spcAft>
+                <a:spcPts val="0"/>
+              </a:spcAft>
+              <a:buNone/>
+            </a:pPr>
+            <a:r>
+              <a:t/>
             </a:r>
             <a:endParaRPr/>
           </a:p>
         </p:txBody>
       </p:sp>
+    </p:spTree>
+  </p:cSld>
+  <p:clrMapOvr>
+    <a:masterClrMapping/>
+  </p:clrMapOvr>
+</p:sld>
+</file>
+
+<file path=ppt/slides/slide5.xml><?xml version="1.0" encoding="utf-8"?>
+<p:sld xmlns:a="http://schemas.openxmlformats.org/drawingml/2006/main" xmlns:r="http://schemas.openxmlformats.org/officeDocument/2006/relationships" xmlns:mc="http://schemas.openxmlformats.org/markup-compatibility/2006" xmlns:mv="urn:schemas-microsoft-com:mac:vml" xmlns:p="http://schemas.openxmlformats.org/presentationml/2006/main" xmlns:c="http://schemas.openxmlformats.org/drawingml/2006/chart" xmlns:dgm="http://schemas.openxmlformats.org/drawingml/2006/diagram" xmlns:o="urn:schemas-microsoft-com:office:office" xmlns:v="urn:schemas-microsoft-com:vml" xmlns:pvml="urn:schemas-microsoft-com:office:powerpoint" xmlns:com="http://schemas.openxmlformats.org/drawingml/2006/compatibility" xmlns:p14="http://schemas.microsoft.com/office/powerpoint/2010/main" xmlns:p15="http://schemas.microsoft.com/office/powerpoint/2012/main" xmlns:ahyp="http://schemas.microsoft.com/office/drawing/2018/hyperlinkcolor">
+  <p:cSld>
+    <p:spTree>
+      <p:nvGrpSpPr>
+        <p:cNvPr id="175" name="Shape 175"/>
+        <p:cNvGrpSpPr/>
+        <p:nvPr/>
+      </p:nvGrpSpPr>
+      <p:grpSpPr>
+        <a:xfrm>
+          <a:off x="0" y="0"/>
+          <a:ext cx="0" cy="0"/>
+          <a:chOff x="0" y="0"/>
+          <a:chExt cx="0" cy="0"/>
+        </a:xfrm>
+      </p:grpSpPr>
       <p:pic>
         <p:nvPicPr>
-          <p:cNvPr id="172" name="Google Shape;172;p20"/>
+          <p:cNvPr id="176" name="Google Shape;176;p21"/>
           <p:cNvPicPr preferRelativeResize="0"/>
           <p:nvPr/>
         </p:nvPicPr>
@@ -19471,8 +19838,8 @@
         </p:blipFill>
         <p:spPr>
           <a:xfrm>
-            <a:off x="152400" y="1849467"/>
-            <a:ext cx="4995777" cy="3798072"/>
+            <a:off x="651150" y="336675"/>
+            <a:ext cx="7871200" cy="5984099"/>
           </a:xfrm>
           <a:prstGeom prst="rect">
             <a:avLst/>
@@ -19491,12 +19858,12 @@
 </p:sld>
 </file>
 
-<file path=ppt/slides/slide5.xml><?xml version="1.0" encoding="utf-8"?>
+<file path=ppt/slides/slide6.xml><?xml version="1.0" encoding="utf-8"?>
 <p:sld xmlns:a="http://schemas.openxmlformats.org/drawingml/2006/main" xmlns:r="http://schemas.openxmlformats.org/officeDocument/2006/relationships" xmlns:mc="http://schemas.openxmlformats.org/markup-compatibility/2006" xmlns:mv="urn:schemas-microsoft-com:mac:vml" xmlns:p="http://schemas.openxmlformats.org/presentationml/2006/main" xmlns:c="http://schemas.openxmlformats.org/drawingml/2006/chart" xmlns:dgm="http://schemas.openxmlformats.org/drawingml/2006/diagram" xmlns:o="urn:schemas-microsoft-com:office:office" xmlns:v="urn:schemas-microsoft-com:vml" xmlns:pvml="urn:schemas-microsoft-com:office:powerpoint" xmlns:com="http://schemas.openxmlformats.org/drawingml/2006/compatibility" xmlns:p14="http://schemas.microsoft.com/office/powerpoint/2010/main" xmlns:p15="http://schemas.microsoft.com/office/powerpoint/2012/main" xmlns:ahyp="http://schemas.microsoft.com/office/drawing/2018/hyperlinkcolor">
   <p:cSld>
     <p:spTree>
       <p:nvGrpSpPr>
-        <p:cNvPr id="176" name="Shape 176"/>
+        <p:cNvPr id="180" name="Shape 180"/>
         <p:cNvGrpSpPr/>
         <p:nvPr/>
       </p:nvGrpSpPr>
@@ -19510,7 +19877,7 @@
       </p:grpSpPr>
       <p:sp>
         <p:nvSpPr>
-          <p:cNvPr id="177" name="Google Shape;177;p21"/>
+          <p:cNvPr id="181" name="Google Shape;181;p22"/>
           <p:cNvSpPr txBox="1"/>
           <p:nvPr>
             <p:ph type="title"/>
@@ -19555,7 +19922,7 @@
       </p:sp>
       <p:sp>
         <p:nvSpPr>
-          <p:cNvPr id="178" name="Google Shape;178;p21"/>
+          <p:cNvPr id="182" name="Google Shape;182;p22"/>
           <p:cNvSpPr txBox="1"/>
           <p:nvPr>
             <p:ph idx="1" type="body"/>
@@ -19640,7 +20007,7 @@
       </p:sp>
       <p:pic>
         <p:nvPicPr>
-          <p:cNvPr id="179" name="Google Shape;179;p21">
+          <p:cNvPr id="183" name="Google Shape;183;p22">
             <a:hlinkClick r:id="rId3"/>
           </p:cNvPr>
           <p:cNvPicPr preferRelativeResize="0"/>
@@ -19670,7 +20037,7 @@
       </p:pic>
       <p:cxnSp>
         <p:nvCxnSpPr>
-          <p:cNvPr id="180" name="Google Shape;180;p21"/>
+          <p:cNvPr id="184" name="Google Shape;184;p22"/>
           <p:cNvCxnSpPr/>
           <p:nvPr/>
         </p:nvCxnSpPr>
@@ -19702,12 +20069,12 @@
 </p:sld>
 </file>
 
-<file path=ppt/slides/slide6.xml><?xml version="1.0" encoding="utf-8"?>
+<file path=ppt/slides/slide7.xml><?xml version="1.0" encoding="utf-8"?>
 <p:sld xmlns:a="http://schemas.openxmlformats.org/drawingml/2006/main" xmlns:r="http://schemas.openxmlformats.org/officeDocument/2006/relationships" xmlns:mc="http://schemas.openxmlformats.org/markup-compatibility/2006" xmlns:mv="urn:schemas-microsoft-com:mac:vml" xmlns:p="http://schemas.openxmlformats.org/presentationml/2006/main" xmlns:c="http://schemas.openxmlformats.org/drawingml/2006/chart" xmlns:dgm="http://schemas.openxmlformats.org/drawingml/2006/diagram" xmlns:o="urn:schemas-microsoft-com:office:office" xmlns:v="urn:schemas-microsoft-com:vml" xmlns:pvml="urn:schemas-microsoft-com:office:powerpoint" xmlns:com="http://schemas.openxmlformats.org/drawingml/2006/compatibility" xmlns:p14="http://schemas.microsoft.com/office/powerpoint/2010/main" xmlns:p15="http://schemas.microsoft.com/office/powerpoint/2012/main" xmlns:ahyp="http://schemas.microsoft.com/office/drawing/2018/hyperlinkcolor">
   <p:cSld>
     <p:spTree>
       <p:nvGrpSpPr>
-        <p:cNvPr id="184" name="Shape 184"/>
+        <p:cNvPr id="188" name="Shape 188"/>
         <p:cNvGrpSpPr/>
         <p:nvPr/>
       </p:nvGrpSpPr>
@@ -19721,7 +20088,7 @@
       </p:grpSpPr>
       <p:sp>
         <p:nvSpPr>
-          <p:cNvPr id="185" name="Google Shape;185;p22"/>
+          <p:cNvPr id="189" name="Google Shape;189;p23"/>
           <p:cNvSpPr txBox="1"/>
           <p:nvPr>
             <p:ph type="title"/>
@@ -19764,7 +20131,7 @@
       </p:sp>
       <p:sp>
         <p:nvSpPr>
-          <p:cNvPr id="186" name="Google Shape;186;p22"/>
+          <p:cNvPr id="190" name="Google Shape;190;p23"/>
           <p:cNvSpPr txBox="1"/>
           <p:nvPr>
             <p:ph idx="1" type="body"/>
@@ -19857,12 +20224,12 @@
 </p:sld>
 </file>
 
-<file path=ppt/slides/slide7.xml><?xml version="1.0" encoding="utf-8"?>
+<file path=ppt/slides/slide8.xml><?xml version="1.0" encoding="utf-8"?>
 <p:sld xmlns:a="http://schemas.openxmlformats.org/drawingml/2006/main" xmlns:r="http://schemas.openxmlformats.org/officeDocument/2006/relationships" xmlns:mc="http://schemas.openxmlformats.org/markup-compatibility/2006" xmlns:mv="urn:schemas-microsoft-com:mac:vml" xmlns:p="http://schemas.openxmlformats.org/presentationml/2006/main" xmlns:c="http://schemas.openxmlformats.org/drawingml/2006/chart" xmlns:dgm="http://schemas.openxmlformats.org/drawingml/2006/diagram" xmlns:o="urn:schemas-microsoft-com:office:office" xmlns:v="urn:schemas-microsoft-com:vml" xmlns:pvml="urn:schemas-microsoft-com:office:powerpoint" xmlns:com="http://schemas.openxmlformats.org/drawingml/2006/compatibility" xmlns:p14="http://schemas.microsoft.com/office/powerpoint/2010/main" xmlns:p15="http://schemas.microsoft.com/office/powerpoint/2012/main" xmlns:ahyp="http://schemas.microsoft.com/office/drawing/2018/hyperlinkcolor">
   <p:cSld>
     <p:spTree>
       <p:nvGrpSpPr>
-        <p:cNvPr id="190" name="Shape 190"/>
+        <p:cNvPr id="194" name="Shape 194"/>
         <p:cNvGrpSpPr/>
         <p:nvPr/>
       </p:nvGrpSpPr>
@@ -19876,7 +20243,7 @@
       </p:grpSpPr>
       <p:sp>
         <p:nvSpPr>
-          <p:cNvPr id="191" name="Google Shape;191;p23"/>
+          <p:cNvPr id="195" name="Google Shape;195;p24"/>
           <p:cNvSpPr txBox="1"/>
           <p:nvPr>
             <p:ph type="title"/>
@@ -19916,7 +20283,7 @@
       </p:sp>
       <p:sp>
         <p:nvSpPr>
-          <p:cNvPr id="192" name="Google Shape;192;p23"/>
+          <p:cNvPr id="196" name="Google Shape;196;p24"/>
           <p:cNvSpPr txBox="1"/>
           <p:nvPr>
             <p:ph idx="1" type="body"/>
@@ -20059,7 +20426,7 @@
       </p:sp>
       <p:sp>
         <p:nvSpPr>
-          <p:cNvPr id="193" name="Google Shape;193;p23"/>
+          <p:cNvPr id="197" name="Google Shape;197;p24"/>
           <p:cNvSpPr txBox="1"/>
           <p:nvPr>
             <p:ph idx="2" type="body"/>
@@ -20137,7 +20504,7 @@
       </p:sp>
       <p:pic>
         <p:nvPicPr>
-          <p:cNvPr id="194" name="Google Shape;194;p23"/>
+          <p:cNvPr id="198" name="Google Shape;198;p24"/>
           <p:cNvPicPr preferRelativeResize="0"/>
           <p:nvPr/>
         </p:nvPicPr>
@@ -20170,12 +20537,12 @@
 </p:sld>
 </file>
 
-<file path=ppt/slides/slide8.xml><?xml version="1.0" encoding="utf-8"?>
+<file path=ppt/slides/slide9.xml><?xml version="1.0" encoding="utf-8"?>
 <p:sld xmlns:a="http://schemas.openxmlformats.org/drawingml/2006/main" xmlns:r="http://schemas.openxmlformats.org/officeDocument/2006/relationships" xmlns:mc="http://schemas.openxmlformats.org/markup-compatibility/2006" xmlns:mv="urn:schemas-microsoft-com:mac:vml" xmlns:p="http://schemas.openxmlformats.org/presentationml/2006/main" xmlns:c="http://schemas.openxmlformats.org/drawingml/2006/chart" xmlns:dgm="http://schemas.openxmlformats.org/drawingml/2006/diagram" xmlns:o="urn:schemas-microsoft-com:office:office" xmlns:v="urn:schemas-microsoft-com:vml" xmlns:pvml="urn:schemas-microsoft-com:office:powerpoint" xmlns:com="http://schemas.openxmlformats.org/drawingml/2006/compatibility" xmlns:p14="http://schemas.microsoft.com/office/powerpoint/2010/main" xmlns:p15="http://schemas.microsoft.com/office/powerpoint/2012/main" xmlns:ahyp="http://schemas.microsoft.com/office/drawing/2018/hyperlinkcolor">
   <p:cSld>
     <p:spTree>
       <p:nvGrpSpPr>
-        <p:cNvPr id="198" name="Shape 198"/>
+        <p:cNvPr id="202" name="Shape 202"/>
         <p:cNvGrpSpPr/>
         <p:nvPr/>
       </p:nvGrpSpPr>
@@ -20189,7 +20556,7 @@
       </p:grpSpPr>
       <p:sp>
         <p:nvSpPr>
-          <p:cNvPr id="199" name="Google Shape;199;p24"/>
+          <p:cNvPr id="203" name="Google Shape;203;p25"/>
           <p:cNvSpPr txBox="1"/>
           <p:nvPr>
             <p:ph type="title"/>
@@ -20229,7 +20596,7 @@
       </p:sp>
       <p:sp>
         <p:nvSpPr>
-          <p:cNvPr id="200" name="Google Shape;200;p24"/>
+          <p:cNvPr id="204" name="Google Shape;204;p25"/>
           <p:cNvSpPr txBox="1"/>
           <p:nvPr>
             <p:ph idx="1" type="body"/>
@@ -20287,7 +20654,7 @@
       </p:sp>
       <p:pic>
         <p:nvPicPr>
-          <p:cNvPr descr="Graphical user interface, application&#10;&#10;Description automatically generated" id="201" name="Google Shape;201;p24"/>
+          <p:cNvPr descr="Graphical user interface, application&#10;&#10;Description automatically generated" id="205" name="Google Shape;205;p25"/>
           <p:cNvPicPr preferRelativeResize="0"/>
           <p:nvPr/>
         </p:nvPicPr>
@@ -20302,171 +20669,6 @@
           <a:xfrm>
             <a:off x="776288" y="2872475"/>
             <a:ext cx="7523275" cy="3261476"/>
-          </a:xfrm>
-          <a:prstGeom prst="rect">
-            <a:avLst/>
-          </a:prstGeom>
-          <a:noFill/>
-          <a:ln>
-            <a:noFill/>
-          </a:ln>
-        </p:spPr>
-      </p:pic>
-    </p:spTree>
-  </p:cSld>
-  <p:clrMapOvr>
-    <a:masterClrMapping/>
-  </p:clrMapOvr>
-</p:sld>
-</file>
-
-<file path=ppt/slides/slide9.xml><?xml version="1.0" encoding="utf-8"?>
-<p:sld xmlns:a="http://schemas.openxmlformats.org/drawingml/2006/main" xmlns:r="http://schemas.openxmlformats.org/officeDocument/2006/relationships" xmlns:mc="http://schemas.openxmlformats.org/markup-compatibility/2006" xmlns:mv="urn:schemas-microsoft-com:mac:vml" xmlns:p="http://schemas.openxmlformats.org/presentationml/2006/main" xmlns:c="http://schemas.openxmlformats.org/drawingml/2006/chart" xmlns:dgm="http://schemas.openxmlformats.org/drawingml/2006/diagram" xmlns:o="urn:schemas-microsoft-com:office:office" xmlns:v="urn:schemas-microsoft-com:vml" xmlns:pvml="urn:schemas-microsoft-com:office:powerpoint" xmlns:com="http://schemas.openxmlformats.org/drawingml/2006/compatibility" xmlns:p14="http://schemas.microsoft.com/office/powerpoint/2010/main" xmlns:p15="http://schemas.microsoft.com/office/powerpoint/2012/main" xmlns:ahyp="http://schemas.microsoft.com/office/drawing/2018/hyperlinkcolor">
-  <p:cSld>
-    <p:spTree>
-      <p:nvGrpSpPr>
-        <p:cNvPr id="205" name="Shape 205"/>
-        <p:cNvGrpSpPr/>
-        <p:nvPr/>
-      </p:nvGrpSpPr>
-      <p:grpSpPr>
-        <a:xfrm>
-          <a:off x="0" y="0"/>
-          <a:ext cx="0" cy="0"/>
-          <a:chOff x="0" y="0"/>
-          <a:chExt cx="0" cy="0"/>
-        </a:xfrm>
-      </p:grpSpPr>
-      <p:sp>
-        <p:nvSpPr>
-          <p:cNvPr id="206" name="Google Shape;206;p25"/>
-          <p:cNvSpPr txBox="1"/>
-          <p:nvPr>
-            <p:ph type="title"/>
-          </p:nvPr>
-        </p:nvSpPr>
-        <p:spPr>
-          <a:xfrm>
-            <a:off x="362904" y="560367"/>
-            <a:ext cx="8447700" cy="1136700"/>
-          </a:xfrm>
-          <a:prstGeom prst="rect">
-            <a:avLst/>
-          </a:prstGeom>
-        </p:spPr>
-        <p:txBody>
-          <a:bodyPr anchorCtr="0" anchor="t" bIns="91425" lIns="91425" spcFirstLastPara="1" rIns="91425" wrap="square" tIns="91425">
-            <a:noAutofit/>
-          </a:bodyPr>
-          <a:lstStyle/>
-          <a:p>
-            <a:pPr indent="0" lvl="0" marL="0" rtl="0" algn="l">
-              <a:spcBef>
-                <a:spcPts val="0"/>
-              </a:spcBef>
-              <a:spcAft>
-                <a:spcPts val="0"/>
-              </a:spcAft>
-              <a:buNone/>
-            </a:pPr>
-            <a:r>
-              <a:rPr lang="en-US"/>
-              <a:t>Upload CQL Library to Hapi FHIR</a:t>
-            </a:r>
-            <a:endParaRPr/>
-          </a:p>
-        </p:txBody>
-      </p:sp>
-      <p:sp>
-        <p:nvSpPr>
-          <p:cNvPr id="207" name="Google Shape;207;p25"/>
-          <p:cNvSpPr txBox="1"/>
-          <p:nvPr>
-            <p:ph idx="1" type="body"/>
-          </p:nvPr>
-        </p:nvSpPr>
-        <p:spPr>
-          <a:xfrm>
-            <a:off x="368700" y="1708350"/>
-            <a:ext cx="7856700" cy="724200"/>
-          </a:xfrm>
-          <a:prstGeom prst="rect">
-            <a:avLst/>
-          </a:prstGeom>
-        </p:spPr>
-        <p:txBody>
-          <a:bodyPr anchorCtr="0" anchor="t" bIns="91425" lIns="91425" spcFirstLastPara="1" rIns="91425" wrap="square" tIns="91425">
-            <a:noAutofit/>
-          </a:bodyPr>
-          <a:lstStyle/>
-          <a:p>
-            <a:pPr indent="-355600" lvl="0" marL="457200" rtl="0" algn="l">
-              <a:spcBef>
-                <a:spcPts val="1000"/>
-              </a:spcBef>
-              <a:spcAft>
-                <a:spcPts val="0"/>
-              </a:spcAft>
-              <a:buSzPts val="2000"/>
-              <a:buAutoNum type="arabicPeriod"/>
-            </a:pPr>
-            <a:r>
-              <a:rPr lang="en-US" sz="2000"/>
-              <a:t>Copy and paste your FHIR Library Resource containing your encoded cql file into the Contents field</a:t>
-            </a:r>
-            <a:endParaRPr sz="2000"/>
-          </a:p>
-          <a:p>
-            <a:pPr indent="-355600" lvl="0" marL="457200" rtl="0" algn="l">
-              <a:spcBef>
-                <a:spcPts val="0"/>
-              </a:spcBef>
-              <a:spcAft>
-                <a:spcPts val="0"/>
-              </a:spcAft>
-              <a:buSzPts val="2000"/>
-              <a:buAutoNum type="arabicPeriod"/>
-            </a:pPr>
-            <a:r>
-              <a:rPr lang="en-US" sz="2000"/>
-              <a:t>Click on Create</a:t>
-            </a:r>
-            <a:endParaRPr sz="2000"/>
-          </a:p>
-          <a:p>
-            <a:pPr indent="0" lvl="0" marL="0" rtl="0" algn="l">
-              <a:spcBef>
-                <a:spcPts val="1000"/>
-              </a:spcBef>
-              <a:spcAft>
-                <a:spcPts val="0"/>
-              </a:spcAft>
-              <a:buNone/>
-            </a:pPr>
-            <a:r>
-              <a:t/>
-            </a:r>
-            <a:endParaRPr sz="2000"/>
-          </a:p>
-        </p:txBody>
-      </p:sp>
-      <p:pic>
-        <p:nvPicPr>
-          <p:cNvPr descr="Graphical user interface, application&#10;&#10;Description automatically generated" id="208" name="Google Shape;208;p25"/>
-          <p:cNvPicPr preferRelativeResize="0"/>
-          <p:nvPr/>
-        </p:nvPicPr>
-        <p:blipFill rotWithShape="1">
-          <a:blip r:embed="rId3">
-            <a:alphaModFix/>
-          </a:blip>
-          <a:srcRect b="7053" l="36517" r="13785" t="38272"/>
-          <a:stretch/>
-        </p:blipFill>
-        <p:spPr>
-          <a:xfrm>
-            <a:off x="1837975" y="2801250"/>
-            <a:ext cx="5897675" cy="3649649"/>
           </a:xfrm>
           <a:prstGeom prst="rect">
             <a:avLst/>
